--- a/ppt 16-9/0717.再活一次.pptx
+++ b/ppt 16-9/0717.再活一次.pptx
@@ -129,7 +129,7 @@
           <p:cNvPr id="2" name="标题 1">
             <a:extLst>
               <a:ext uri="{FF2B5EF4-FFF2-40B4-BE49-F238E27FC236}">
-                <a16:creationId xmlns:a16="http://schemas.microsoft.com/office/drawing/2014/main" id="{1247818A-DFF8-B11D-164D-26AE488EC1BE}"/>
+                <a16:creationId xmlns:a16="http://schemas.microsoft.com/office/drawing/2014/main" id="{1BC966C9-DB13-3FF0-4DC7-CCE4C21CFC88}"/>
               </a:ext>
             </a:extLst>
           </p:cNvPr>
@@ -166,7 +166,7 @@
           <p:cNvPr id="3" name="副标题 2">
             <a:extLst>
               <a:ext uri="{FF2B5EF4-FFF2-40B4-BE49-F238E27FC236}">
-                <a16:creationId xmlns:a16="http://schemas.microsoft.com/office/drawing/2014/main" id="{783CBFC7-36A1-221D-CDB5-1589511EBA18}"/>
+                <a16:creationId xmlns:a16="http://schemas.microsoft.com/office/drawing/2014/main" id="{F312E51E-959E-B643-2CBE-564DF143F1DB}"/>
               </a:ext>
             </a:extLst>
           </p:cNvPr>
@@ -236,7 +236,7 @@
           <p:cNvPr id="4" name="日期占位符 3">
             <a:extLst>
               <a:ext uri="{FF2B5EF4-FFF2-40B4-BE49-F238E27FC236}">
-                <a16:creationId xmlns:a16="http://schemas.microsoft.com/office/drawing/2014/main" id="{4E27E94F-49C0-053D-82C7-FCC9903033DA}"/>
+                <a16:creationId xmlns:a16="http://schemas.microsoft.com/office/drawing/2014/main" id="{579FDC05-2888-3ACC-E944-85E4040047FD}"/>
               </a:ext>
             </a:extLst>
           </p:cNvPr>
@@ -252,7 +252,7 @@
           <a:bodyPr/>
           <a:lstStyle/>
           <a:p>
-            <a:fld id="{2D0FB227-895E-4E7B-AE26-19D53C6D6CB6}" type="datetimeFigureOut">
+            <a:fld id="{38640DA3-D412-401A-88FF-680411239654}" type="datetimeFigureOut">
               <a:rPr lang="zh-CN" altLang="en-US" smtClean="0"/>
               <a:t>2024/3/10</a:t>
             </a:fld>
@@ -265,7 +265,7 @@
           <p:cNvPr id="5" name="页脚占位符 4">
             <a:extLst>
               <a:ext uri="{FF2B5EF4-FFF2-40B4-BE49-F238E27FC236}">
-                <a16:creationId xmlns:a16="http://schemas.microsoft.com/office/drawing/2014/main" id="{9061F4AE-4AB5-3BA9-DFCD-5964DBB0DB93}"/>
+                <a16:creationId xmlns:a16="http://schemas.microsoft.com/office/drawing/2014/main" id="{F5429A83-D8C7-544A-83A4-5C02D2716751}"/>
               </a:ext>
             </a:extLst>
           </p:cNvPr>
@@ -290,7 +290,7 @@
           <p:cNvPr id="6" name="灯片编号占位符 5">
             <a:extLst>
               <a:ext uri="{FF2B5EF4-FFF2-40B4-BE49-F238E27FC236}">
-                <a16:creationId xmlns:a16="http://schemas.microsoft.com/office/drawing/2014/main" id="{D7CF3BDA-51FC-321B-57C0-B5A3F4FFECC2}"/>
+                <a16:creationId xmlns:a16="http://schemas.microsoft.com/office/drawing/2014/main" id="{0E0FA05C-ACC8-7FCC-3A48-ECB5A3F97548}"/>
               </a:ext>
             </a:extLst>
           </p:cNvPr>
@@ -306,7 +306,7 @@
           <a:bodyPr/>
           <a:lstStyle/>
           <a:p>
-            <a:fld id="{78C3E969-EA27-45D6-8E47-0128BDCDF7A6}" type="slidenum">
+            <a:fld id="{0B6CAC12-D122-4ABC-8EC4-9A068366514D}" type="slidenum">
               <a:rPr lang="zh-CN" altLang="en-US" smtClean="0"/>
               <a:t>‹#›</a:t>
             </a:fld>
@@ -317,7 +317,7 @@
     </p:spTree>
     <p:extLst>
       <p:ext uri="{BB962C8B-B14F-4D97-AF65-F5344CB8AC3E}">
-        <p14:creationId xmlns:p14="http://schemas.microsoft.com/office/powerpoint/2010/main" val="1879042501"/>
+        <p14:creationId xmlns:p14="http://schemas.microsoft.com/office/powerpoint/2010/main" val="2207621405"/>
       </p:ext>
     </p:extLst>
   </p:cSld>
@@ -349,7 +349,7 @@
           <p:cNvPr id="2" name="标题 1">
             <a:extLst>
               <a:ext uri="{FF2B5EF4-FFF2-40B4-BE49-F238E27FC236}">
-                <a16:creationId xmlns:a16="http://schemas.microsoft.com/office/drawing/2014/main" id="{C6C571FA-1A29-D777-F9F4-495E6B576A04}"/>
+                <a16:creationId xmlns:a16="http://schemas.microsoft.com/office/drawing/2014/main" id="{726C2258-6029-5E95-6AA5-415B83576D1D}"/>
               </a:ext>
             </a:extLst>
           </p:cNvPr>
@@ -377,7 +377,7 @@
           <p:cNvPr id="3" name="竖排文字占位符 2">
             <a:extLst>
               <a:ext uri="{FF2B5EF4-FFF2-40B4-BE49-F238E27FC236}">
-                <a16:creationId xmlns:a16="http://schemas.microsoft.com/office/drawing/2014/main" id="{3A7FB905-A698-DF3C-41C3-E195E466F2DE}"/>
+                <a16:creationId xmlns:a16="http://schemas.microsoft.com/office/drawing/2014/main" id="{9C4C6BBA-FB51-747E-EF27-9FC3694F0EB6}"/>
               </a:ext>
             </a:extLst>
           </p:cNvPr>
@@ -434,7 +434,7 @@
           <p:cNvPr id="4" name="日期占位符 3">
             <a:extLst>
               <a:ext uri="{FF2B5EF4-FFF2-40B4-BE49-F238E27FC236}">
-                <a16:creationId xmlns:a16="http://schemas.microsoft.com/office/drawing/2014/main" id="{F3300B1A-E84E-92B7-4B9F-DB82D9C01158}"/>
+                <a16:creationId xmlns:a16="http://schemas.microsoft.com/office/drawing/2014/main" id="{43ADF498-AAF4-4693-797C-B315C21B4F11}"/>
               </a:ext>
             </a:extLst>
           </p:cNvPr>
@@ -450,7 +450,7 @@
           <a:bodyPr/>
           <a:lstStyle/>
           <a:p>
-            <a:fld id="{2D0FB227-895E-4E7B-AE26-19D53C6D6CB6}" type="datetimeFigureOut">
+            <a:fld id="{38640DA3-D412-401A-88FF-680411239654}" type="datetimeFigureOut">
               <a:rPr lang="zh-CN" altLang="en-US" smtClean="0"/>
               <a:t>2024/3/10</a:t>
             </a:fld>
@@ -463,7 +463,7 @@
           <p:cNvPr id="5" name="页脚占位符 4">
             <a:extLst>
               <a:ext uri="{FF2B5EF4-FFF2-40B4-BE49-F238E27FC236}">
-                <a16:creationId xmlns:a16="http://schemas.microsoft.com/office/drawing/2014/main" id="{FE9583D2-9A75-CFEB-0821-5E497D50F268}"/>
+                <a16:creationId xmlns:a16="http://schemas.microsoft.com/office/drawing/2014/main" id="{09C3AA4F-4111-0C20-8E80-0B5E71B3D3AF}"/>
               </a:ext>
             </a:extLst>
           </p:cNvPr>
@@ -488,7 +488,7 @@
           <p:cNvPr id="6" name="灯片编号占位符 5">
             <a:extLst>
               <a:ext uri="{FF2B5EF4-FFF2-40B4-BE49-F238E27FC236}">
-                <a16:creationId xmlns:a16="http://schemas.microsoft.com/office/drawing/2014/main" id="{648C7931-E309-BDD6-C98A-446AFD040005}"/>
+                <a16:creationId xmlns:a16="http://schemas.microsoft.com/office/drawing/2014/main" id="{92155117-BCC5-6077-4972-AFD960D4F1A0}"/>
               </a:ext>
             </a:extLst>
           </p:cNvPr>
@@ -504,7 +504,7 @@
           <a:bodyPr/>
           <a:lstStyle/>
           <a:p>
-            <a:fld id="{78C3E969-EA27-45D6-8E47-0128BDCDF7A6}" type="slidenum">
+            <a:fld id="{0B6CAC12-D122-4ABC-8EC4-9A068366514D}" type="slidenum">
               <a:rPr lang="zh-CN" altLang="en-US" smtClean="0"/>
               <a:t>‹#›</a:t>
             </a:fld>
@@ -515,7 +515,7 @@
     </p:spTree>
     <p:extLst>
       <p:ext uri="{BB962C8B-B14F-4D97-AF65-F5344CB8AC3E}">
-        <p14:creationId xmlns:p14="http://schemas.microsoft.com/office/powerpoint/2010/main" val="910671929"/>
+        <p14:creationId xmlns:p14="http://schemas.microsoft.com/office/powerpoint/2010/main" val="3927210077"/>
       </p:ext>
     </p:extLst>
   </p:cSld>
@@ -547,7 +547,7 @@
           <p:cNvPr id="2" name="竖排标题 1">
             <a:extLst>
               <a:ext uri="{FF2B5EF4-FFF2-40B4-BE49-F238E27FC236}">
-                <a16:creationId xmlns:a16="http://schemas.microsoft.com/office/drawing/2014/main" id="{79C32945-5A41-D2A9-5C1B-AFEADD70BF24}"/>
+                <a16:creationId xmlns:a16="http://schemas.microsoft.com/office/drawing/2014/main" id="{5785240D-3413-ACFF-3627-6D5D8BA7469C}"/>
               </a:ext>
             </a:extLst>
           </p:cNvPr>
@@ -580,7 +580,7 @@
           <p:cNvPr id="3" name="竖排文字占位符 2">
             <a:extLst>
               <a:ext uri="{FF2B5EF4-FFF2-40B4-BE49-F238E27FC236}">
-                <a16:creationId xmlns:a16="http://schemas.microsoft.com/office/drawing/2014/main" id="{7D7A3B80-9499-FEC5-3601-6F07691557F4}"/>
+                <a16:creationId xmlns:a16="http://schemas.microsoft.com/office/drawing/2014/main" id="{93A01DCB-E2D4-F8AE-F186-D7F43202FF21}"/>
               </a:ext>
             </a:extLst>
           </p:cNvPr>
@@ -642,7 +642,7 @@
           <p:cNvPr id="4" name="日期占位符 3">
             <a:extLst>
               <a:ext uri="{FF2B5EF4-FFF2-40B4-BE49-F238E27FC236}">
-                <a16:creationId xmlns:a16="http://schemas.microsoft.com/office/drawing/2014/main" id="{A0DC9563-82AE-B10A-4DB4-6DC39B74C5C0}"/>
+                <a16:creationId xmlns:a16="http://schemas.microsoft.com/office/drawing/2014/main" id="{40A897ED-11CA-ECC6-7FB8-729C2FD62F63}"/>
               </a:ext>
             </a:extLst>
           </p:cNvPr>
@@ -658,7 +658,7 @@
           <a:bodyPr/>
           <a:lstStyle/>
           <a:p>
-            <a:fld id="{2D0FB227-895E-4E7B-AE26-19D53C6D6CB6}" type="datetimeFigureOut">
+            <a:fld id="{38640DA3-D412-401A-88FF-680411239654}" type="datetimeFigureOut">
               <a:rPr lang="zh-CN" altLang="en-US" smtClean="0"/>
               <a:t>2024/3/10</a:t>
             </a:fld>
@@ -671,7 +671,7 @@
           <p:cNvPr id="5" name="页脚占位符 4">
             <a:extLst>
               <a:ext uri="{FF2B5EF4-FFF2-40B4-BE49-F238E27FC236}">
-                <a16:creationId xmlns:a16="http://schemas.microsoft.com/office/drawing/2014/main" id="{F8FF884A-BA90-D48F-2F9F-2541A312BC34}"/>
+                <a16:creationId xmlns:a16="http://schemas.microsoft.com/office/drawing/2014/main" id="{95B66BEB-9F08-424D-48A3-9796F1A00FDC}"/>
               </a:ext>
             </a:extLst>
           </p:cNvPr>
@@ -696,7 +696,7 @@
           <p:cNvPr id="6" name="灯片编号占位符 5">
             <a:extLst>
               <a:ext uri="{FF2B5EF4-FFF2-40B4-BE49-F238E27FC236}">
-                <a16:creationId xmlns:a16="http://schemas.microsoft.com/office/drawing/2014/main" id="{9B98B805-1FE4-0938-B9C1-98D1264A090D}"/>
+                <a16:creationId xmlns:a16="http://schemas.microsoft.com/office/drawing/2014/main" id="{54D1D504-7179-B727-23CB-6DC23B2DA1D2}"/>
               </a:ext>
             </a:extLst>
           </p:cNvPr>
@@ -712,7 +712,7 @@
           <a:bodyPr/>
           <a:lstStyle/>
           <a:p>
-            <a:fld id="{78C3E969-EA27-45D6-8E47-0128BDCDF7A6}" type="slidenum">
+            <a:fld id="{0B6CAC12-D122-4ABC-8EC4-9A068366514D}" type="slidenum">
               <a:rPr lang="zh-CN" altLang="en-US" smtClean="0"/>
               <a:t>‹#›</a:t>
             </a:fld>
@@ -723,7 +723,7 @@
     </p:spTree>
     <p:extLst>
       <p:ext uri="{BB962C8B-B14F-4D97-AF65-F5344CB8AC3E}">
-        <p14:creationId xmlns:p14="http://schemas.microsoft.com/office/powerpoint/2010/main" val="3531615487"/>
+        <p14:creationId xmlns:p14="http://schemas.microsoft.com/office/powerpoint/2010/main" val="3147369866"/>
       </p:ext>
     </p:extLst>
   </p:cSld>
@@ -755,7 +755,7 @@
           <p:cNvPr id="2" name="标题 1">
             <a:extLst>
               <a:ext uri="{FF2B5EF4-FFF2-40B4-BE49-F238E27FC236}">
-                <a16:creationId xmlns:a16="http://schemas.microsoft.com/office/drawing/2014/main" id="{D402A0FA-D457-0211-278E-1555A286E8A4}"/>
+                <a16:creationId xmlns:a16="http://schemas.microsoft.com/office/drawing/2014/main" id="{3FC0AB1C-6E3E-D93B-25DE-13B9EA8E07EE}"/>
               </a:ext>
             </a:extLst>
           </p:cNvPr>
@@ -783,7 +783,7 @@
           <p:cNvPr id="3" name="内容占位符 2">
             <a:extLst>
               <a:ext uri="{FF2B5EF4-FFF2-40B4-BE49-F238E27FC236}">
-                <a16:creationId xmlns:a16="http://schemas.microsoft.com/office/drawing/2014/main" id="{537046D1-0D71-BDF1-F1D7-FE818CD3B83C}"/>
+                <a16:creationId xmlns:a16="http://schemas.microsoft.com/office/drawing/2014/main" id="{B1EDBB0D-8CD5-E3B9-C25D-ED7F1C19EB62}"/>
               </a:ext>
             </a:extLst>
           </p:cNvPr>
@@ -840,7 +840,7 @@
           <p:cNvPr id="4" name="日期占位符 3">
             <a:extLst>
               <a:ext uri="{FF2B5EF4-FFF2-40B4-BE49-F238E27FC236}">
-                <a16:creationId xmlns:a16="http://schemas.microsoft.com/office/drawing/2014/main" id="{302EEAFF-B6AE-935F-1BE5-A02FB7ECD582}"/>
+                <a16:creationId xmlns:a16="http://schemas.microsoft.com/office/drawing/2014/main" id="{59631638-F6EF-6304-A067-E4DDDC80B447}"/>
               </a:ext>
             </a:extLst>
           </p:cNvPr>
@@ -856,7 +856,7 @@
           <a:bodyPr/>
           <a:lstStyle/>
           <a:p>
-            <a:fld id="{2D0FB227-895E-4E7B-AE26-19D53C6D6CB6}" type="datetimeFigureOut">
+            <a:fld id="{38640DA3-D412-401A-88FF-680411239654}" type="datetimeFigureOut">
               <a:rPr lang="zh-CN" altLang="en-US" smtClean="0"/>
               <a:t>2024/3/10</a:t>
             </a:fld>
@@ -869,7 +869,7 @@
           <p:cNvPr id="5" name="页脚占位符 4">
             <a:extLst>
               <a:ext uri="{FF2B5EF4-FFF2-40B4-BE49-F238E27FC236}">
-                <a16:creationId xmlns:a16="http://schemas.microsoft.com/office/drawing/2014/main" id="{453068B9-C635-D494-5654-ECAB19B4DDBF}"/>
+                <a16:creationId xmlns:a16="http://schemas.microsoft.com/office/drawing/2014/main" id="{8D97BBBD-FA4E-5060-55FE-19FFB85BD070}"/>
               </a:ext>
             </a:extLst>
           </p:cNvPr>
@@ -894,7 +894,7 @@
           <p:cNvPr id="6" name="灯片编号占位符 5">
             <a:extLst>
               <a:ext uri="{FF2B5EF4-FFF2-40B4-BE49-F238E27FC236}">
-                <a16:creationId xmlns:a16="http://schemas.microsoft.com/office/drawing/2014/main" id="{D3559AFD-B691-EF25-1F08-D04032B77118}"/>
+                <a16:creationId xmlns:a16="http://schemas.microsoft.com/office/drawing/2014/main" id="{42E60DF9-1233-75E5-2DE7-C09E122B4A73}"/>
               </a:ext>
             </a:extLst>
           </p:cNvPr>
@@ -910,7 +910,7 @@
           <a:bodyPr/>
           <a:lstStyle/>
           <a:p>
-            <a:fld id="{78C3E969-EA27-45D6-8E47-0128BDCDF7A6}" type="slidenum">
+            <a:fld id="{0B6CAC12-D122-4ABC-8EC4-9A068366514D}" type="slidenum">
               <a:rPr lang="zh-CN" altLang="en-US" smtClean="0"/>
               <a:t>‹#›</a:t>
             </a:fld>
@@ -921,7 +921,7 @@
     </p:spTree>
     <p:extLst>
       <p:ext uri="{BB962C8B-B14F-4D97-AF65-F5344CB8AC3E}">
-        <p14:creationId xmlns:p14="http://schemas.microsoft.com/office/powerpoint/2010/main" val="466802641"/>
+        <p14:creationId xmlns:p14="http://schemas.microsoft.com/office/powerpoint/2010/main" val="28419994"/>
       </p:ext>
     </p:extLst>
   </p:cSld>
@@ -953,7 +953,7 @@
           <p:cNvPr id="2" name="标题 1">
             <a:extLst>
               <a:ext uri="{FF2B5EF4-FFF2-40B4-BE49-F238E27FC236}">
-                <a16:creationId xmlns:a16="http://schemas.microsoft.com/office/drawing/2014/main" id="{E001A7AF-C099-CFB8-8B6B-2EA352770E2A}"/>
+                <a16:creationId xmlns:a16="http://schemas.microsoft.com/office/drawing/2014/main" id="{7926A23B-1224-4A49-FBDE-5FE8FAA52EDE}"/>
               </a:ext>
             </a:extLst>
           </p:cNvPr>
@@ -990,7 +990,7 @@
           <p:cNvPr id="3" name="文本占位符 2">
             <a:extLst>
               <a:ext uri="{FF2B5EF4-FFF2-40B4-BE49-F238E27FC236}">
-                <a16:creationId xmlns:a16="http://schemas.microsoft.com/office/drawing/2014/main" id="{D11C386B-56B7-9D10-7DF0-20A5BAF9FA13}"/>
+                <a16:creationId xmlns:a16="http://schemas.microsoft.com/office/drawing/2014/main" id="{FC3D9D80-26AD-BC1C-3252-362F54DA9B20}"/>
               </a:ext>
             </a:extLst>
           </p:cNvPr>
@@ -1115,7 +1115,7 @@
           <p:cNvPr id="4" name="日期占位符 3">
             <a:extLst>
               <a:ext uri="{FF2B5EF4-FFF2-40B4-BE49-F238E27FC236}">
-                <a16:creationId xmlns:a16="http://schemas.microsoft.com/office/drawing/2014/main" id="{38E7BDB6-429A-37EF-4034-29A76867EEFE}"/>
+                <a16:creationId xmlns:a16="http://schemas.microsoft.com/office/drawing/2014/main" id="{5E846364-D5C7-C331-112A-913DE01E23F2}"/>
               </a:ext>
             </a:extLst>
           </p:cNvPr>
@@ -1131,7 +1131,7 @@
           <a:bodyPr/>
           <a:lstStyle/>
           <a:p>
-            <a:fld id="{2D0FB227-895E-4E7B-AE26-19D53C6D6CB6}" type="datetimeFigureOut">
+            <a:fld id="{38640DA3-D412-401A-88FF-680411239654}" type="datetimeFigureOut">
               <a:rPr lang="zh-CN" altLang="en-US" smtClean="0"/>
               <a:t>2024/3/10</a:t>
             </a:fld>
@@ -1144,7 +1144,7 @@
           <p:cNvPr id="5" name="页脚占位符 4">
             <a:extLst>
               <a:ext uri="{FF2B5EF4-FFF2-40B4-BE49-F238E27FC236}">
-                <a16:creationId xmlns:a16="http://schemas.microsoft.com/office/drawing/2014/main" id="{DE8B99CF-D241-ADD9-4ADA-E8B76CAB8D53}"/>
+                <a16:creationId xmlns:a16="http://schemas.microsoft.com/office/drawing/2014/main" id="{460AB656-990E-9ECD-A32D-F2BCB5BBE118}"/>
               </a:ext>
             </a:extLst>
           </p:cNvPr>
@@ -1169,7 +1169,7 @@
           <p:cNvPr id="6" name="灯片编号占位符 5">
             <a:extLst>
               <a:ext uri="{FF2B5EF4-FFF2-40B4-BE49-F238E27FC236}">
-                <a16:creationId xmlns:a16="http://schemas.microsoft.com/office/drawing/2014/main" id="{2C74793E-D098-A8D9-DB66-350D93E877FA}"/>
+                <a16:creationId xmlns:a16="http://schemas.microsoft.com/office/drawing/2014/main" id="{F77AA7ED-19FD-8D78-882B-9083A56EBE36}"/>
               </a:ext>
             </a:extLst>
           </p:cNvPr>
@@ -1185,7 +1185,7 @@
           <a:bodyPr/>
           <a:lstStyle/>
           <a:p>
-            <a:fld id="{78C3E969-EA27-45D6-8E47-0128BDCDF7A6}" type="slidenum">
+            <a:fld id="{0B6CAC12-D122-4ABC-8EC4-9A068366514D}" type="slidenum">
               <a:rPr lang="zh-CN" altLang="en-US" smtClean="0"/>
               <a:t>‹#›</a:t>
             </a:fld>
@@ -1196,7 +1196,7 @@
     </p:spTree>
     <p:extLst>
       <p:ext uri="{BB962C8B-B14F-4D97-AF65-F5344CB8AC3E}">
-        <p14:creationId xmlns:p14="http://schemas.microsoft.com/office/powerpoint/2010/main" val="548220065"/>
+        <p14:creationId xmlns:p14="http://schemas.microsoft.com/office/powerpoint/2010/main" val="2226491999"/>
       </p:ext>
     </p:extLst>
   </p:cSld>
@@ -1228,7 +1228,7 @@
           <p:cNvPr id="2" name="标题 1">
             <a:extLst>
               <a:ext uri="{FF2B5EF4-FFF2-40B4-BE49-F238E27FC236}">
-                <a16:creationId xmlns:a16="http://schemas.microsoft.com/office/drawing/2014/main" id="{7224E2E9-D372-4F9A-A6E8-35701DA071F1}"/>
+                <a16:creationId xmlns:a16="http://schemas.microsoft.com/office/drawing/2014/main" id="{37795BA3-C793-2A4E-F5A6-968C87D484FC}"/>
               </a:ext>
             </a:extLst>
           </p:cNvPr>
@@ -1256,7 +1256,7 @@
           <p:cNvPr id="3" name="内容占位符 2">
             <a:extLst>
               <a:ext uri="{FF2B5EF4-FFF2-40B4-BE49-F238E27FC236}">
-                <a16:creationId xmlns:a16="http://schemas.microsoft.com/office/drawing/2014/main" id="{9C59A6C6-97DF-DE10-7AD3-E46C9BB94997}"/>
+                <a16:creationId xmlns:a16="http://schemas.microsoft.com/office/drawing/2014/main" id="{C4928780-590B-42E2-E7BA-559EEC264490}"/>
               </a:ext>
             </a:extLst>
           </p:cNvPr>
@@ -1318,7 +1318,7 @@
           <p:cNvPr id="4" name="内容占位符 3">
             <a:extLst>
               <a:ext uri="{FF2B5EF4-FFF2-40B4-BE49-F238E27FC236}">
-                <a16:creationId xmlns:a16="http://schemas.microsoft.com/office/drawing/2014/main" id="{8149CEE3-F5B9-D8C2-7B10-B89666E9FF0A}"/>
+                <a16:creationId xmlns:a16="http://schemas.microsoft.com/office/drawing/2014/main" id="{B5DD498B-38E8-97CC-E9B4-C66DE15F42A5}"/>
               </a:ext>
             </a:extLst>
           </p:cNvPr>
@@ -1380,7 +1380,7 @@
           <p:cNvPr id="5" name="日期占位符 4">
             <a:extLst>
               <a:ext uri="{FF2B5EF4-FFF2-40B4-BE49-F238E27FC236}">
-                <a16:creationId xmlns:a16="http://schemas.microsoft.com/office/drawing/2014/main" id="{9746FFA1-19F8-D7AD-D4F5-627CEB2B1F3E}"/>
+                <a16:creationId xmlns:a16="http://schemas.microsoft.com/office/drawing/2014/main" id="{685E1AE3-4DA5-BD35-3846-EA0189BD1E83}"/>
               </a:ext>
             </a:extLst>
           </p:cNvPr>
@@ -1396,7 +1396,7 @@
           <a:bodyPr/>
           <a:lstStyle/>
           <a:p>
-            <a:fld id="{2D0FB227-895E-4E7B-AE26-19D53C6D6CB6}" type="datetimeFigureOut">
+            <a:fld id="{38640DA3-D412-401A-88FF-680411239654}" type="datetimeFigureOut">
               <a:rPr lang="zh-CN" altLang="en-US" smtClean="0"/>
               <a:t>2024/3/10</a:t>
             </a:fld>
@@ -1409,7 +1409,7 @@
           <p:cNvPr id="6" name="页脚占位符 5">
             <a:extLst>
               <a:ext uri="{FF2B5EF4-FFF2-40B4-BE49-F238E27FC236}">
-                <a16:creationId xmlns:a16="http://schemas.microsoft.com/office/drawing/2014/main" id="{A1D3C0A9-BE6E-49F2-0FE2-3726962723B3}"/>
+                <a16:creationId xmlns:a16="http://schemas.microsoft.com/office/drawing/2014/main" id="{54652C31-81A1-2F74-FB0F-9A9CB3B4FCDF}"/>
               </a:ext>
             </a:extLst>
           </p:cNvPr>
@@ -1434,7 +1434,7 @@
           <p:cNvPr id="7" name="灯片编号占位符 6">
             <a:extLst>
               <a:ext uri="{FF2B5EF4-FFF2-40B4-BE49-F238E27FC236}">
-                <a16:creationId xmlns:a16="http://schemas.microsoft.com/office/drawing/2014/main" id="{55960D74-E700-014C-215F-EEC5E6A33B4D}"/>
+                <a16:creationId xmlns:a16="http://schemas.microsoft.com/office/drawing/2014/main" id="{4BE06E0D-6532-F58E-9EEA-1A9EC4B1A295}"/>
               </a:ext>
             </a:extLst>
           </p:cNvPr>
@@ -1450,7 +1450,7 @@
           <a:bodyPr/>
           <a:lstStyle/>
           <a:p>
-            <a:fld id="{78C3E969-EA27-45D6-8E47-0128BDCDF7A6}" type="slidenum">
+            <a:fld id="{0B6CAC12-D122-4ABC-8EC4-9A068366514D}" type="slidenum">
               <a:rPr lang="zh-CN" altLang="en-US" smtClean="0"/>
               <a:t>‹#›</a:t>
             </a:fld>
@@ -1461,7 +1461,7 @@
     </p:spTree>
     <p:extLst>
       <p:ext uri="{BB962C8B-B14F-4D97-AF65-F5344CB8AC3E}">
-        <p14:creationId xmlns:p14="http://schemas.microsoft.com/office/powerpoint/2010/main" val="976446049"/>
+        <p14:creationId xmlns:p14="http://schemas.microsoft.com/office/powerpoint/2010/main" val="1656412924"/>
       </p:ext>
     </p:extLst>
   </p:cSld>
@@ -1493,7 +1493,7 @@
           <p:cNvPr id="2" name="标题 1">
             <a:extLst>
               <a:ext uri="{FF2B5EF4-FFF2-40B4-BE49-F238E27FC236}">
-                <a16:creationId xmlns:a16="http://schemas.microsoft.com/office/drawing/2014/main" id="{4426BE7F-04E7-C36E-6823-D76E634EDFB2}"/>
+                <a16:creationId xmlns:a16="http://schemas.microsoft.com/office/drawing/2014/main" id="{759856C0-F555-19D3-266D-7D60D2920A78}"/>
               </a:ext>
             </a:extLst>
           </p:cNvPr>
@@ -1526,7 +1526,7 @@
           <p:cNvPr id="3" name="文本占位符 2">
             <a:extLst>
               <a:ext uri="{FF2B5EF4-FFF2-40B4-BE49-F238E27FC236}">
-                <a16:creationId xmlns:a16="http://schemas.microsoft.com/office/drawing/2014/main" id="{9E9195BE-2DBC-EA17-AC7E-985CCA6A8E1B}"/>
+                <a16:creationId xmlns:a16="http://schemas.microsoft.com/office/drawing/2014/main" id="{69DE6CCD-5EA6-D712-A017-D7E05E234895}"/>
               </a:ext>
             </a:extLst>
           </p:cNvPr>
@@ -1597,7 +1597,7 @@
           <p:cNvPr id="4" name="内容占位符 3">
             <a:extLst>
               <a:ext uri="{FF2B5EF4-FFF2-40B4-BE49-F238E27FC236}">
-                <a16:creationId xmlns:a16="http://schemas.microsoft.com/office/drawing/2014/main" id="{DD66DD8B-6C53-A503-4F96-AF89CB0B503E}"/>
+                <a16:creationId xmlns:a16="http://schemas.microsoft.com/office/drawing/2014/main" id="{F5478165-5A53-9BD5-5F48-7BE830F6A5B6}"/>
               </a:ext>
             </a:extLst>
           </p:cNvPr>
@@ -1659,7 +1659,7 @@
           <p:cNvPr id="5" name="文本占位符 4">
             <a:extLst>
               <a:ext uri="{FF2B5EF4-FFF2-40B4-BE49-F238E27FC236}">
-                <a16:creationId xmlns:a16="http://schemas.microsoft.com/office/drawing/2014/main" id="{03BD145B-5547-DCCB-A4D9-99648A956A6F}"/>
+                <a16:creationId xmlns:a16="http://schemas.microsoft.com/office/drawing/2014/main" id="{B8E52C64-B5CD-62A6-A87E-4C7BFD56E83C}"/>
               </a:ext>
             </a:extLst>
           </p:cNvPr>
@@ -1730,7 +1730,7 @@
           <p:cNvPr id="6" name="内容占位符 5">
             <a:extLst>
               <a:ext uri="{FF2B5EF4-FFF2-40B4-BE49-F238E27FC236}">
-                <a16:creationId xmlns:a16="http://schemas.microsoft.com/office/drawing/2014/main" id="{1E7FF127-A40F-ED99-68BD-9D6DCB1138C4}"/>
+                <a16:creationId xmlns:a16="http://schemas.microsoft.com/office/drawing/2014/main" id="{F7FBF3BA-5DB7-70C9-8C86-AFADFAF4211B}"/>
               </a:ext>
             </a:extLst>
           </p:cNvPr>
@@ -1792,7 +1792,7 @@
           <p:cNvPr id="7" name="日期占位符 6">
             <a:extLst>
               <a:ext uri="{FF2B5EF4-FFF2-40B4-BE49-F238E27FC236}">
-                <a16:creationId xmlns:a16="http://schemas.microsoft.com/office/drawing/2014/main" id="{E56469AE-DC86-9AAE-5E75-E6BA875654C8}"/>
+                <a16:creationId xmlns:a16="http://schemas.microsoft.com/office/drawing/2014/main" id="{39E50EA0-C52B-DAFF-DCD6-919B0A7A3123}"/>
               </a:ext>
             </a:extLst>
           </p:cNvPr>
@@ -1808,7 +1808,7 @@
           <a:bodyPr/>
           <a:lstStyle/>
           <a:p>
-            <a:fld id="{2D0FB227-895E-4E7B-AE26-19D53C6D6CB6}" type="datetimeFigureOut">
+            <a:fld id="{38640DA3-D412-401A-88FF-680411239654}" type="datetimeFigureOut">
               <a:rPr lang="zh-CN" altLang="en-US" smtClean="0"/>
               <a:t>2024/3/10</a:t>
             </a:fld>
@@ -1821,7 +1821,7 @@
           <p:cNvPr id="8" name="页脚占位符 7">
             <a:extLst>
               <a:ext uri="{FF2B5EF4-FFF2-40B4-BE49-F238E27FC236}">
-                <a16:creationId xmlns:a16="http://schemas.microsoft.com/office/drawing/2014/main" id="{314DB911-DF0B-C9BC-DF42-4BDBA5949C58}"/>
+                <a16:creationId xmlns:a16="http://schemas.microsoft.com/office/drawing/2014/main" id="{6485B328-A070-9F8C-CA56-88F80A263C1B}"/>
               </a:ext>
             </a:extLst>
           </p:cNvPr>
@@ -1846,7 +1846,7 @@
           <p:cNvPr id="9" name="灯片编号占位符 8">
             <a:extLst>
               <a:ext uri="{FF2B5EF4-FFF2-40B4-BE49-F238E27FC236}">
-                <a16:creationId xmlns:a16="http://schemas.microsoft.com/office/drawing/2014/main" id="{D68CC0D5-38D6-2A68-826D-1D0E1698DD77}"/>
+                <a16:creationId xmlns:a16="http://schemas.microsoft.com/office/drawing/2014/main" id="{838AF3B3-F1E9-6770-DF0A-FD501CBF59EF}"/>
               </a:ext>
             </a:extLst>
           </p:cNvPr>
@@ -1862,7 +1862,7 @@
           <a:bodyPr/>
           <a:lstStyle/>
           <a:p>
-            <a:fld id="{78C3E969-EA27-45D6-8E47-0128BDCDF7A6}" type="slidenum">
+            <a:fld id="{0B6CAC12-D122-4ABC-8EC4-9A068366514D}" type="slidenum">
               <a:rPr lang="zh-CN" altLang="en-US" smtClean="0"/>
               <a:t>‹#›</a:t>
             </a:fld>
@@ -1873,7 +1873,7 @@
     </p:spTree>
     <p:extLst>
       <p:ext uri="{BB962C8B-B14F-4D97-AF65-F5344CB8AC3E}">
-        <p14:creationId xmlns:p14="http://schemas.microsoft.com/office/powerpoint/2010/main" val="1618278684"/>
+        <p14:creationId xmlns:p14="http://schemas.microsoft.com/office/powerpoint/2010/main" val="2651600478"/>
       </p:ext>
     </p:extLst>
   </p:cSld>
@@ -1905,7 +1905,7 @@
           <p:cNvPr id="2" name="标题 1">
             <a:extLst>
               <a:ext uri="{FF2B5EF4-FFF2-40B4-BE49-F238E27FC236}">
-                <a16:creationId xmlns:a16="http://schemas.microsoft.com/office/drawing/2014/main" id="{D02D2601-16F6-F43E-7C3C-CABE1C0DA923}"/>
+                <a16:creationId xmlns:a16="http://schemas.microsoft.com/office/drawing/2014/main" id="{D31EAC52-7592-6557-186C-C49BB22D3046}"/>
               </a:ext>
             </a:extLst>
           </p:cNvPr>
@@ -1933,7 +1933,7 @@
           <p:cNvPr id="3" name="日期占位符 2">
             <a:extLst>
               <a:ext uri="{FF2B5EF4-FFF2-40B4-BE49-F238E27FC236}">
-                <a16:creationId xmlns:a16="http://schemas.microsoft.com/office/drawing/2014/main" id="{BC148EE6-9F39-6809-3210-CB8EEDBAAF02}"/>
+                <a16:creationId xmlns:a16="http://schemas.microsoft.com/office/drawing/2014/main" id="{E75C7C2B-D783-35C8-53C1-2C290D2F5770}"/>
               </a:ext>
             </a:extLst>
           </p:cNvPr>
@@ -1949,7 +1949,7 @@
           <a:bodyPr/>
           <a:lstStyle/>
           <a:p>
-            <a:fld id="{2D0FB227-895E-4E7B-AE26-19D53C6D6CB6}" type="datetimeFigureOut">
+            <a:fld id="{38640DA3-D412-401A-88FF-680411239654}" type="datetimeFigureOut">
               <a:rPr lang="zh-CN" altLang="en-US" smtClean="0"/>
               <a:t>2024/3/10</a:t>
             </a:fld>
@@ -1962,7 +1962,7 @@
           <p:cNvPr id="4" name="页脚占位符 3">
             <a:extLst>
               <a:ext uri="{FF2B5EF4-FFF2-40B4-BE49-F238E27FC236}">
-                <a16:creationId xmlns:a16="http://schemas.microsoft.com/office/drawing/2014/main" id="{A6559534-A198-654B-EC4B-B3AF9E52DD08}"/>
+                <a16:creationId xmlns:a16="http://schemas.microsoft.com/office/drawing/2014/main" id="{C37DEE3C-E379-B074-C7B9-C527EB7C8BC4}"/>
               </a:ext>
             </a:extLst>
           </p:cNvPr>
@@ -1987,7 +1987,7 @@
           <p:cNvPr id="5" name="灯片编号占位符 4">
             <a:extLst>
               <a:ext uri="{FF2B5EF4-FFF2-40B4-BE49-F238E27FC236}">
-                <a16:creationId xmlns:a16="http://schemas.microsoft.com/office/drawing/2014/main" id="{58BD0AF1-DBE5-218A-A663-13484467E268}"/>
+                <a16:creationId xmlns:a16="http://schemas.microsoft.com/office/drawing/2014/main" id="{13A038F8-1CF5-4F7E-681F-725C7A689191}"/>
               </a:ext>
             </a:extLst>
           </p:cNvPr>
@@ -2003,7 +2003,7 @@
           <a:bodyPr/>
           <a:lstStyle/>
           <a:p>
-            <a:fld id="{78C3E969-EA27-45D6-8E47-0128BDCDF7A6}" type="slidenum">
+            <a:fld id="{0B6CAC12-D122-4ABC-8EC4-9A068366514D}" type="slidenum">
               <a:rPr lang="zh-CN" altLang="en-US" smtClean="0"/>
               <a:t>‹#›</a:t>
             </a:fld>
@@ -2014,7 +2014,7 @@
     </p:spTree>
     <p:extLst>
       <p:ext uri="{BB962C8B-B14F-4D97-AF65-F5344CB8AC3E}">
-        <p14:creationId xmlns:p14="http://schemas.microsoft.com/office/powerpoint/2010/main" val="4175715757"/>
+        <p14:creationId xmlns:p14="http://schemas.microsoft.com/office/powerpoint/2010/main" val="2839470014"/>
       </p:ext>
     </p:extLst>
   </p:cSld>
@@ -2046,7 +2046,7 @@
           <p:cNvPr id="2" name="日期占位符 1">
             <a:extLst>
               <a:ext uri="{FF2B5EF4-FFF2-40B4-BE49-F238E27FC236}">
-                <a16:creationId xmlns:a16="http://schemas.microsoft.com/office/drawing/2014/main" id="{54193631-BAAF-F877-E9DC-EFDDFB3136DD}"/>
+                <a16:creationId xmlns:a16="http://schemas.microsoft.com/office/drawing/2014/main" id="{A5CB1407-B3D5-44AD-B6B1-E28CB522A404}"/>
               </a:ext>
             </a:extLst>
           </p:cNvPr>
@@ -2062,7 +2062,7 @@
           <a:bodyPr/>
           <a:lstStyle/>
           <a:p>
-            <a:fld id="{2D0FB227-895E-4E7B-AE26-19D53C6D6CB6}" type="datetimeFigureOut">
+            <a:fld id="{38640DA3-D412-401A-88FF-680411239654}" type="datetimeFigureOut">
               <a:rPr lang="zh-CN" altLang="en-US" smtClean="0"/>
               <a:t>2024/3/10</a:t>
             </a:fld>
@@ -2075,7 +2075,7 @@
           <p:cNvPr id="3" name="页脚占位符 2">
             <a:extLst>
               <a:ext uri="{FF2B5EF4-FFF2-40B4-BE49-F238E27FC236}">
-                <a16:creationId xmlns:a16="http://schemas.microsoft.com/office/drawing/2014/main" id="{6A2C4C0C-2C0F-127D-F426-5E29CF6619C8}"/>
+                <a16:creationId xmlns:a16="http://schemas.microsoft.com/office/drawing/2014/main" id="{4E16BBA0-A41A-2E98-054C-2270996520BF}"/>
               </a:ext>
             </a:extLst>
           </p:cNvPr>
@@ -2100,7 +2100,7 @@
           <p:cNvPr id="4" name="灯片编号占位符 3">
             <a:extLst>
               <a:ext uri="{FF2B5EF4-FFF2-40B4-BE49-F238E27FC236}">
-                <a16:creationId xmlns:a16="http://schemas.microsoft.com/office/drawing/2014/main" id="{56C84A6F-500E-382B-A7A0-48CB98DB4F88}"/>
+                <a16:creationId xmlns:a16="http://schemas.microsoft.com/office/drawing/2014/main" id="{B9C37C8D-BBBE-8FB6-E1E7-6A33C5FF98D0}"/>
               </a:ext>
             </a:extLst>
           </p:cNvPr>
@@ -2116,7 +2116,7 @@
           <a:bodyPr/>
           <a:lstStyle/>
           <a:p>
-            <a:fld id="{78C3E969-EA27-45D6-8E47-0128BDCDF7A6}" type="slidenum">
+            <a:fld id="{0B6CAC12-D122-4ABC-8EC4-9A068366514D}" type="slidenum">
               <a:rPr lang="zh-CN" altLang="en-US" smtClean="0"/>
               <a:t>‹#›</a:t>
             </a:fld>
@@ -2127,7 +2127,7 @@
     </p:spTree>
     <p:extLst>
       <p:ext uri="{BB962C8B-B14F-4D97-AF65-F5344CB8AC3E}">
-        <p14:creationId xmlns:p14="http://schemas.microsoft.com/office/powerpoint/2010/main" val="3260366345"/>
+        <p14:creationId xmlns:p14="http://schemas.microsoft.com/office/powerpoint/2010/main" val="3875672002"/>
       </p:ext>
     </p:extLst>
   </p:cSld>
@@ -2159,7 +2159,7 @@
           <p:cNvPr id="2" name="标题 1">
             <a:extLst>
               <a:ext uri="{FF2B5EF4-FFF2-40B4-BE49-F238E27FC236}">
-                <a16:creationId xmlns:a16="http://schemas.microsoft.com/office/drawing/2014/main" id="{5123F7C6-D79C-08E8-9C4D-2CA59D9B45BE}"/>
+                <a16:creationId xmlns:a16="http://schemas.microsoft.com/office/drawing/2014/main" id="{2BE189B4-ADD1-FC6D-3BD0-6F767D124DF5}"/>
               </a:ext>
             </a:extLst>
           </p:cNvPr>
@@ -2196,7 +2196,7 @@
           <p:cNvPr id="3" name="内容占位符 2">
             <a:extLst>
               <a:ext uri="{FF2B5EF4-FFF2-40B4-BE49-F238E27FC236}">
-                <a16:creationId xmlns:a16="http://schemas.microsoft.com/office/drawing/2014/main" id="{7A8FA243-7589-686E-48F2-A58D0FC1F558}"/>
+                <a16:creationId xmlns:a16="http://schemas.microsoft.com/office/drawing/2014/main" id="{59CBC5DC-3D21-855D-1D8E-AC12501DF724}"/>
               </a:ext>
             </a:extLst>
           </p:cNvPr>
@@ -2286,7 +2286,7 @@
           <p:cNvPr id="4" name="文本占位符 3">
             <a:extLst>
               <a:ext uri="{FF2B5EF4-FFF2-40B4-BE49-F238E27FC236}">
-                <a16:creationId xmlns:a16="http://schemas.microsoft.com/office/drawing/2014/main" id="{A6F1F56A-BD10-1CAD-F7DF-E9A3E6D4F599}"/>
+                <a16:creationId xmlns:a16="http://schemas.microsoft.com/office/drawing/2014/main" id="{DB234A79-E7B8-C731-58A7-8945BFB82AF2}"/>
               </a:ext>
             </a:extLst>
           </p:cNvPr>
@@ -2357,7 +2357,7 @@
           <p:cNvPr id="5" name="日期占位符 4">
             <a:extLst>
               <a:ext uri="{FF2B5EF4-FFF2-40B4-BE49-F238E27FC236}">
-                <a16:creationId xmlns:a16="http://schemas.microsoft.com/office/drawing/2014/main" id="{A9A00AFA-61CD-0237-3B55-A19F7EBCC715}"/>
+                <a16:creationId xmlns:a16="http://schemas.microsoft.com/office/drawing/2014/main" id="{82849CB5-FE7B-C11A-F50B-6F3A2E83677D}"/>
               </a:ext>
             </a:extLst>
           </p:cNvPr>
@@ -2373,7 +2373,7 @@
           <a:bodyPr/>
           <a:lstStyle/>
           <a:p>
-            <a:fld id="{2D0FB227-895E-4E7B-AE26-19D53C6D6CB6}" type="datetimeFigureOut">
+            <a:fld id="{38640DA3-D412-401A-88FF-680411239654}" type="datetimeFigureOut">
               <a:rPr lang="zh-CN" altLang="en-US" smtClean="0"/>
               <a:t>2024/3/10</a:t>
             </a:fld>
@@ -2386,7 +2386,7 @@
           <p:cNvPr id="6" name="页脚占位符 5">
             <a:extLst>
               <a:ext uri="{FF2B5EF4-FFF2-40B4-BE49-F238E27FC236}">
-                <a16:creationId xmlns:a16="http://schemas.microsoft.com/office/drawing/2014/main" id="{F2CD4D3F-ADD6-19D8-9D62-9FF3BF07302D}"/>
+                <a16:creationId xmlns:a16="http://schemas.microsoft.com/office/drawing/2014/main" id="{7ED300F2-63A4-7433-978C-FE29F0633256}"/>
               </a:ext>
             </a:extLst>
           </p:cNvPr>
@@ -2411,7 +2411,7 @@
           <p:cNvPr id="7" name="灯片编号占位符 6">
             <a:extLst>
               <a:ext uri="{FF2B5EF4-FFF2-40B4-BE49-F238E27FC236}">
-                <a16:creationId xmlns:a16="http://schemas.microsoft.com/office/drawing/2014/main" id="{A556AA2E-0476-04B7-A825-C89E5F22BA5D}"/>
+                <a16:creationId xmlns:a16="http://schemas.microsoft.com/office/drawing/2014/main" id="{7B8E9E76-8947-A6CE-5D44-3F9386B51FF8}"/>
               </a:ext>
             </a:extLst>
           </p:cNvPr>
@@ -2427,7 +2427,7 @@
           <a:bodyPr/>
           <a:lstStyle/>
           <a:p>
-            <a:fld id="{78C3E969-EA27-45D6-8E47-0128BDCDF7A6}" type="slidenum">
+            <a:fld id="{0B6CAC12-D122-4ABC-8EC4-9A068366514D}" type="slidenum">
               <a:rPr lang="zh-CN" altLang="en-US" smtClean="0"/>
               <a:t>‹#›</a:t>
             </a:fld>
@@ -2438,7 +2438,7 @@
     </p:spTree>
     <p:extLst>
       <p:ext uri="{BB962C8B-B14F-4D97-AF65-F5344CB8AC3E}">
-        <p14:creationId xmlns:p14="http://schemas.microsoft.com/office/powerpoint/2010/main" val="622082233"/>
+        <p14:creationId xmlns:p14="http://schemas.microsoft.com/office/powerpoint/2010/main" val="431802894"/>
       </p:ext>
     </p:extLst>
   </p:cSld>
@@ -2470,7 +2470,7 @@
           <p:cNvPr id="2" name="标题 1">
             <a:extLst>
               <a:ext uri="{FF2B5EF4-FFF2-40B4-BE49-F238E27FC236}">
-                <a16:creationId xmlns:a16="http://schemas.microsoft.com/office/drawing/2014/main" id="{1EBF5AAC-1E3A-7A26-05D3-4E2CDF0EF40A}"/>
+                <a16:creationId xmlns:a16="http://schemas.microsoft.com/office/drawing/2014/main" id="{392E381B-2192-BFFC-A730-74B1E8AAA598}"/>
               </a:ext>
             </a:extLst>
           </p:cNvPr>
@@ -2507,7 +2507,7 @@
           <p:cNvPr id="3" name="图片占位符 2">
             <a:extLst>
               <a:ext uri="{FF2B5EF4-FFF2-40B4-BE49-F238E27FC236}">
-                <a16:creationId xmlns:a16="http://schemas.microsoft.com/office/drawing/2014/main" id="{28785B02-67EF-E609-DD7E-49B024BDB5D4}"/>
+                <a16:creationId xmlns:a16="http://schemas.microsoft.com/office/drawing/2014/main" id="{4CDE9896-498C-7748-0C8D-E00E34057D31}"/>
               </a:ext>
             </a:extLst>
           </p:cNvPr>
@@ -2574,7 +2574,7 @@
           <p:cNvPr id="4" name="文本占位符 3">
             <a:extLst>
               <a:ext uri="{FF2B5EF4-FFF2-40B4-BE49-F238E27FC236}">
-                <a16:creationId xmlns:a16="http://schemas.microsoft.com/office/drawing/2014/main" id="{BE5099B5-9605-F66E-DC5E-5BA92439C39C}"/>
+                <a16:creationId xmlns:a16="http://schemas.microsoft.com/office/drawing/2014/main" id="{D1E3B632-570B-55A4-76CA-3D3F311498EC}"/>
               </a:ext>
             </a:extLst>
           </p:cNvPr>
@@ -2645,7 +2645,7 @@
           <p:cNvPr id="5" name="日期占位符 4">
             <a:extLst>
               <a:ext uri="{FF2B5EF4-FFF2-40B4-BE49-F238E27FC236}">
-                <a16:creationId xmlns:a16="http://schemas.microsoft.com/office/drawing/2014/main" id="{5A0A642C-7CEC-BB47-2956-808F3F201588}"/>
+                <a16:creationId xmlns:a16="http://schemas.microsoft.com/office/drawing/2014/main" id="{5AA2CE66-511C-D5FB-FE5F-84907F498E18}"/>
               </a:ext>
             </a:extLst>
           </p:cNvPr>
@@ -2661,7 +2661,7 @@
           <a:bodyPr/>
           <a:lstStyle/>
           <a:p>
-            <a:fld id="{2D0FB227-895E-4E7B-AE26-19D53C6D6CB6}" type="datetimeFigureOut">
+            <a:fld id="{38640DA3-D412-401A-88FF-680411239654}" type="datetimeFigureOut">
               <a:rPr lang="zh-CN" altLang="en-US" smtClean="0"/>
               <a:t>2024/3/10</a:t>
             </a:fld>
@@ -2674,7 +2674,7 @@
           <p:cNvPr id="6" name="页脚占位符 5">
             <a:extLst>
               <a:ext uri="{FF2B5EF4-FFF2-40B4-BE49-F238E27FC236}">
-                <a16:creationId xmlns:a16="http://schemas.microsoft.com/office/drawing/2014/main" id="{68B6E123-D7BE-1468-4CAD-1AABFEFFF4F9}"/>
+                <a16:creationId xmlns:a16="http://schemas.microsoft.com/office/drawing/2014/main" id="{7B75498B-BFBE-DBA7-1BCE-215F6DDFAC63}"/>
               </a:ext>
             </a:extLst>
           </p:cNvPr>
@@ -2699,7 +2699,7 @@
           <p:cNvPr id="7" name="灯片编号占位符 6">
             <a:extLst>
               <a:ext uri="{FF2B5EF4-FFF2-40B4-BE49-F238E27FC236}">
-                <a16:creationId xmlns:a16="http://schemas.microsoft.com/office/drawing/2014/main" id="{7589478A-9B33-FAA1-AA1F-E88EDB56FD59}"/>
+                <a16:creationId xmlns:a16="http://schemas.microsoft.com/office/drawing/2014/main" id="{8FE88692-3756-95B9-3523-4D412CF7AA92}"/>
               </a:ext>
             </a:extLst>
           </p:cNvPr>
@@ -2715,7 +2715,7 @@
           <a:bodyPr/>
           <a:lstStyle/>
           <a:p>
-            <a:fld id="{78C3E969-EA27-45D6-8E47-0128BDCDF7A6}" type="slidenum">
+            <a:fld id="{0B6CAC12-D122-4ABC-8EC4-9A068366514D}" type="slidenum">
               <a:rPr lang="zh-CN" altLang="en-US" smtClean="0"/>
               <a:t>‹#›</a:t>
             </a:fld>
@@ -2726,7 +2726,7 @@
     </p:spTree>
     <p:extLst>
       <p:ext uri="{BB962C8B-B14F-4D97-AF65-F5344CB8AC3E}">
-        <p14:creationId xmlns:p14="http://schemas.microsoft.com/office/powerpoint/2010/main" val="3493204690"/>
+        <p14:creationId xmlns:p14="http://schemas.microsoft.com/office/powerpoint/2010/main" val="393178985"/>
       </p:ext>
     </p:extLst>
   </p:cSld>
@@ -2763,7 +2763,7 @@
           <p:cNvPr id="2" name="标题占位符 1">
             <a:extLst>
               <a:ext uri="{FF2B5EF4-FFF2-40B4-BE49-F238E27FC236}">
-                <a16:creationId xmlns:a16="http://schemas.microsoft.com/office/drawing/2014/main" id="{14B47C44-3A92-0AD6-AC2D-C9F909F12202}"/>
+                <a16:creationId xmlns:a16="http://schemas.microsoft.com/office/drawing/2014/main" id="{6270863E-07CC-03C2-A918-594D3055800B}"/>
               </a:ext>
             </a:extLst>
           </p:cNvPr>
@@ -2801,7 +2801,7 @@
           <p:cNvPr id="3" name="文本占位符 2">
             <a:extLst>
               <a:ext uri="{FF2B5EF4-FFF2-40B4-BE49-F238E27FC236}">
-                <a16:creationId xmlns:a16="http://schemas.microsoft.com/office/drawing/2014/main" id="{67A96612-7364-DDDB-9EF3-86592B7C2F2F}"/>
+                <a16:creationId xmlns:a16="http://schemas.microsoft.com/office/drawing/2014/main" id="{F86FFF98-3157-0505-4E3B-ABAACC10861A}"/>
               </a:ext>
             </a:extLst>
           </p:cNvPr>
@@ -2868,7 +2868,7 @@
           <p:cNvPr id="4" name="日期占位符 3">
             <a:extLst>
               <a:ext uri="{FF2B5EF4-FFF2-40B4-BE49-F238E27FC236}">
-                <a16:creationId xmlns:a16="http://schemas.microsoft.com/office/drawing/2014/main" id="{31935781-1E9B-65B6-913E-BC3FC78CE678}"/>
+                <a16:creationId xmlns:a16="http://schemas.microsoft.com/office/drawing/2014/main" id="{79D2B891-1B30-3984-C3A5-721AD74DBBE5}"/>
               </a:ext>
             </a:extLst>
           </p:cNvPr>
@@ -2902,7 +2902,7 @@
             </a:lvl1pPr>
           </a:lstStyle>
           <a:p>
-            <a:fld id="{2D0FB227-895E-4E7B-AE26-19D53C6D6CB6}" type="datetimeFigureOut">
+            <a:fld id="{38640DA3-D412-401A-88FF-680411239654}" type="datetimeFigureOut">
               <a:rPr lang="zh-CN" altLang="en-US" smtClean="0"/>
               <a:t>2024/3/10</a:t>
             </a:fld>
@@ -2915,7 +2915,7 @@
           <p:cNvPr id="5" name="页脚占位符 4">
             <a:extLst>
               <a:ext uri="{FF2B5EF4-FFF2-40B4-BE49-F238E27FC236}">
-                <a16:creationId xmlns:a16="http://schemas.microsoft.com/office/drawing/2014/main" id="{DCA9E0C0-0CE2-7C01-1790-6D39F64EF5DC}"/>
+                <a16:creationId xmlns:a16="http://schemas.microsoft.com/office/drawing/2014/main" id="{2FA6137A-8ACC-F163-F27D-A15F040411B6}"/>
               </a:ext>
             </a:extLst>
           </p:cNvPr>
@@ -2958,7 +2958,7 @@
           <p:cNvPr id="6" name="灯片编号占位符 5">
             <a:extLst>
               <a:ext uri="{FF2B5EF4-FFF2-40B4-BE49-F238E27FC236}">
-                <a16:creationId xmlns:a16="http://schemas.microsoft.com/office/drawing/2014/main" id="{DAEE9DE2-F293-4466-F810-5E5F9FB2F86F}"/>
+                <a16:creationId xmlns:a16="http://schemas.microsoft.com/office/drawing/2014/main" id="{FEA884D7-BC97-F712-68D8-E8762D9918C4}"/>
               </a:ext>
             </a:extLst>
           </p:cNvPr>
@@ -2992,7 +2992,7 @@
             </a:lvl1pPr>
           </a:lstStyle>
           <a:p>
-            <a:fld id="{78C3E969-EA27-45D6-8E47-0128BDCDF7A6}" type="slidenum">
+            <a:fld id="{0B6CAC12-D122-4ABC-8EC4-9A068366514D}" type="slidenum">
               <a:rPr lang="zh-CN" altLang="en-US" smtClean="0"/>
               <a:t>‹#›</a:t>
             </a:fld>
@@ -3003,7 +3003,7 @@
     </p:spTree>
     <p:extLst>
       <p:ext uri="{BB962C8B-B14F-4D97-AF65-F5344CB8AC3E}">
-        <p14:creationId xmlns:p14="http://schemas.microsoft.com/office/powerpoint/2010/main" val="786712841"/>
+        <p14:creationId xmlns:p14="http://schemas.microsoft.com/office/powerpoint/2010/main" val="2388865806"/>
       </p:ext>
     </p:extLst>
   </p:cSld>
